--- a/create-a-project-from-cost-opt-20260217182144/artifacts/project-results-deck.pptx
+++ b/create-a-project-from-cost-opt-20260217182144/artifacts/project-results-deck.pptx
@@ -2292,7 +2292,7 @@
 </file>
 
 <file path=ppt/slideLayouts/slideLayout1.xml><?xml version="1.0" encoding="utf-8"?>
-<p:sldLayout xmlns:a="http://schemas.openxmlformats.org/drawingml/2006/main" xmlns:r="http://schemas.openxmlformats.org/officeDocument/2006/relationships" xmlns:p="http://schemas.openxmlformats.org/presentationml/2006/main" type="title" preserve="1">
+<p:sldLayout xmlns:a16="http://schemas.microsoft.com/office/drawing/2014/main" xmlns:p14="http://schemas.microsoft.com/office/powerpoint/2010/main" xmlns:a="http://schemas.openxmlformats.org/drawingml/2006/main" xmlns:r="http://schemas.openxmlformats.org/officeDocument/2006/relationships" xmlns:p="http://schemas.openxmlformats.org/presentationml/2006/main" type="title" preserve="1">
   <p:cSld name="Title Slide">
     <p:spTree>
       <p:nvGrpSpPr>
@@ -2513,7 +2513,7 @@
 </file>
 
 <file path=ppt/slideLayouts/slideLayout10.xml><?xml version="1.0" encoding="utf-8"?>
-<p:sldLayout xmlns:a="http://schemas.openxmlformats.org/drawingml/2006/main" xmlns:r="http://schemas.openxmlformats.org/officeDocument/2006/relationships" xmlns:p="http://schemas.openxmlformats.org/presentationml/2006/main" type="vertTx" preserve="1">
+<p:sldLayout xmlns:a16="http://schemas.microsoft.com/office/drawing/2014/main" xmlns:p14="http://schemas.microsoft.com/office/powerpoint/2010/main" xmlns:a="http://schemas.openxmlformats.org/drawingml/2006/main" xmlns:r="http://schemas.openxmlformats.org/officeDocument/2006/relationships" xmlns:p="http://schemas.openxmlformats.org/presentationml/2006/main" type="vertTx" preserve="1">
   <p:cSld name="Title and Vertical Text">
     <p:spTree>
       <p:nvGrpSpPr>
@@ -2712,7 +2712,7 @@
 </file>
 
 <file path=ppt/slideLayouts/slideLayout11.xml><?xml version="1.0" encoding="utf-8"?>
-<p:sldLayout xmlns:a="http://schemas.openxmlformats.org/drawingml/2006/main" xmlns:r="http://schemas.openxmlformats.org/officeDocument/2006/relationships" xmlns:p="http://schemas.openxmlformats.org/presentationml/2006/main" type="vertTitleAndTx" preserve="1">
+<p:sldLayout xmlns:a16="http://schemas.microsoft.com/office/drawing/2014/main" xmlns:p14="http://schemas.microsoft.com/office/powerpoint/2010/main" xmlns:a="http://schemas.openxmlformats.org/drawingml/2006/main" xmlns:r="http://schemas.openxmlformats.org/officeDocument/2006/relationships" xmlns:p="http://schemas.openxmlformats.org/presentationml/2006/main" type="vertTitleAndTx" preserve="1">
   <p:cSld name="Vertical Title and Text">
     <p:spTree>
       <p:nvGrpSpPr>
@@ -2921,7 +2921,7 @@
 </file>
 
 <file path=ppt/slideLayouts/slideLayout12.xml><?xml version="1.0" encoding="utf-8"?>
-<p:sldLayout xmlns:a="http://schemas.openxmlformats.org/drawingml/2006/main" xmlns:r="http://schemas.openxmlformats.org/officeDocument/2006/relationships" xmlns:p="http://schemas.openxmlformats.org/presentationml/2006/main" userDrawn="1">
+<p:sldLayout xmlns:a16="http://schemas.microsoft.com/office/drawing/2014/main" xmlns:a14="http://schemas.microsoft.com/office/drawing/2010/main" xmlns:p14="http://schemas.microsoft.com/office/powerpoint/2010/main" xmlns:a="http://schemas.openxmlformats.org/drawingml/2006/main" xmlns:r="http://schemas.openxmlformats.org/officeDocument/2006/relationships" xmlns:p="http://schemas.openxmlformats.org/presentationml/2006/main" userDrawn="1">
   <p:cSld name="Intro Slide">
     <p:spTree>
       <p:nvGrpSpPr>
@@ -3359,7 +3359,7 @@
 </file>
 
 <file path=ppt/slideLayouts/slideLayout13.xml><?xml version="1.0" encoding="utf-8"?>
-<p:sldLayout xmlns:a="http://schemas.openxmlformats.org/drawingml/2006/main" xmlns:r="http://schemas.openxmlformats.org/officeDocument/2006/relationships" xmlns:p="http://schemas.openxmlformats.org/presentationml/2006/main" userDrawn="1">
+<p:sldLayout xmlns:a16="http://schemas.microsoft.com/office/drawing/2014/main" xmlns:a14="http://schemas.microsoft.com/office/drawing/2010/main" xmlns:p14="http://schemas.microsoft.com/office/powerpoint/2010/main" xmlns:a="http://schemas.openxmlformats.org/drawingml/2006/main" xmlns:r="http://schemas.openxmlformats.org/officeDocument/2006/relationships" xmlns:p="http://schemas.openxmlformats.org/presentationml/2006/main" userDrawn="1">
   <p:cSld name="Content Slide_with Eyebrow">
     <p:spTree>
       <p:nvGrpSpPr>
@@ -4593,7 +4593,7 @@
 </file>
 
 <file path=ppt/slideLayouts/slideLayout14.xml><?xml version="1.0" encoding="utf-8"?>
-<p:sldLayout xmlns:a="http://schemas.openxmlformats.org/drawingml/2006/main" xmlns:r="http://schemas.openxmlformats.org/officeDocument/2006/relationships" xmlns:p="http://schemas.openxmlformats.org/presentationml/2006/main" userDrawn="1">
+<p:sldLayout xmlns:a16="http://schemas.microsoft.com/office/drawing/2014/main" xmlns:a14="http://schemas.microsoft.com/office/drawing/2010/main" xmlns:ahyp="http://schemas.microsoft.com/office/drawing/2018/hyperlinkcolor" xmlns:p14="http://schemas.microsoft.com/office/powerpoint/2010/main" xmlns:a="http://schemas.openxmlformats.org/drawingml/2006/main" xmlns:r="http://schemas.openxmlformats.org/officeDocument/2006/relationships" xmlns:p="http://schemas.openxmlformats.org/presentationml/2006/main" userDrawn="1">
   <p:cSld name="Thank You Slide">
     <p:spTree>
       <p:nvGrpSpPr>
@@ -5214,7 +5214,7 @@
 </file>
 
 <file path=ppt/slideLayouts/slideLayout15.xml><?xml version="1.0" encoding="utf-8"?>
-<p:sldLayout xmlns:a="http://schemas.openxmlformats.org/drawingml/2006/main" xmlns:r="http://schemas.openxmlformats.org/officeDocument/2006/relationships" xmlns:p="http://schemas.openxmlformats.org/presentationml/2006/main" preserve="1" userDrawn="1">
+<p:sldLayout xmlns:a16="http://schemas.microsoft.com/office/drawing/2014/main" xmlns:a14="http://schemas.microsoft.com/office/drawing/2010/main" xmlns:p14="http://schemas.microsoft.com/office/powerpoint/2010/main" xmlns:a="http://schemas.openxmlformats.org/drawingml/2006/main" xmlns:r="http://schemas.openxmlformats.org/officeDocument/2006/relationships" xmlns:p="http://schemas.openxmlformats.org/presentationml/2006/main" preserve="1" userDrawn="1">
   <p:cSld name="Tertiary Section Intro">
     <p:spTree>
       <p:nvGrpSpPr>
@@ -5608,7 +5608,7 @@
 </file>
 
 <file path=ppt/slideLayouts/slideLayout16.xml><?xml version="1.0" encoding="utf-8"?>
-<p:sldLayout xmlns:a="http://schemas.openxmlformats.org/drawingml/2006/main" xmlns:r="http://schemas.openxmlformats.org/officeDocument/2006/relationships" xmlns:p="http://schemas.openxmlformats.org/presentationml/2006/main" preserve="1" userDrawn="1">
+<p:sldLayout xmlns:a16="http://schemas.microsoft.com/office/drawing/2014/main" xmlns:a14="http://schemas.microsoft.com/office/drawing/2010/main" xmlns:p14="http://schemas.microsoft.com/office/powerpoint/2010/main" xmlns:a="http://schemas.openxmlformats.org/drawingml/2006/main" xmlns:r="http://schemas.openxmlformats.org/officeDocument/2006/relationships" xmlns:p="http://schemas.openxmlformats.org/presentationml/2006/main" preserve="1" userDrawn="1">
   <p:cSld name="1_Custom Layout">
     <p:spTree>
       <p:nvGrpSpPr>
@@ -7587,7 +7587,7 @@
 </file>
 
 <file path=ppt/slideLayouts/slideLayout17.xml><?xml version="1.0" encoding="utf-8"?>
-<p:sldLayout xmlns:a="http://schemas.openxmlformats.org/drawingml/2006/main" xmlns:r="http://schemas.openxmlformats.org/officeDocument/2006/relationships" xmlns:p="http://schemas.openxmlformats.org/presentationml/2006/main" preserve="1" userDrawn="1">
+<p:sldLayout xmlns:a16="http://schemas.microsoft.com/office/drawing/2014/main" xmlns:a14="http://schemas.microsoft.com/office/drawing/2010/main" xmlns:p14="http://schemas.microsoft.com/office/powerpoint/2010/main" xmlns:a="http://schemas.openxmlformats.org/drawingml/2006/main" xmlns:r="http://schemas.openxmlformats.org/officeDocument/2006/relationships" xmlns:p="http://schemas.openxmlformats.org/presentationml/2006/main" preserve="1" userDrawn="1">
   <p:cSld name="In Picture_Large Scale">
     <p:spTree>
       <p:nvGrpSpPr>
@@ -9721,7 +9721,7 @@
 </file>
 
 <file path=ppt/slideLayouts/slideLayout18.xml><?xml version="1.0" encoding="utf-8"?>
-<p:sldLayout xmlns:a="http://schemas.openxmlformats.org/drawingml/2006/main" xmlns:r="http://schemas.openxmlformats.org/officeDocument/2006/relationships" xmlns:p="http://schemas.openxmlformats.org/presentationml/2006/main" preserve="1" userDrawn="1">
+<p:sldLayout xmlns:a16="http://schemas.microsoft.com/office/drawing/2014/main" xmlns:a14="http://schemas.microsoft.com/office/drawing/2010/main" xmlns:p14="http://schemas.microsoft.com/office/powerpoint/2010/main" xmlns:a="http://schemas.openxmlformats.org/drawingml/2006/main" xmlns:r="http://schemas.openxmlformats.org/officeDocument/2006/relationships" xmlns:p="http://schemas.openxmlformats.org/presentationml/2006/main" preserve="1" userDrawn="1">
   <p:cSld name="Content Slide_No Eyebrow">
     <p:spTree>
       <p:nvGrpSpPr>
@@ -10870,7 +10870,7 @@
 </file>
 
 <file path=ppt/slideLayouts/slideLayout19.xml><?xml version="1.0" encoding="utf-8"?>
-<p:sldLayout xmlns:a="http://schemas.openxmlformats.org/drawingml/2006/main" xmlns:r="http://schemas.openxmlformats.org/officeDocument/2006/relationships" xmlns:p="http://schemas.openxmlformats.org/presentationml/2006/main" preserve="1" userDrawn="1">
+<p:sldLayout xmlns:a16="http://schemas.microsoft.com/office/drawing/2014/main" xmlns:asvg="http://schemas.microsoft.com/office/drawing/2016/SVG/main" xmlns:p14="http://schemas.microsoft.com/office/powerpoint/2010/main" xmlns:a="http://schemas.openxmlformats.org/drawingml/2006/main" xmlns:r="http://schemas.openxmlformats.org/officeDocument/2006/relationships" xmlns:p="http://schemas.openxmlformats.org/presentationml/2006/main" preserve="1" userDrawn="1">
   <p:cSld name="1_Circuitry_Primary Colors">
     <p:spTree>
       <p:nvGrpSpPr>
@@ -11191,7 +11191,7 @@
 </file>
 
 <file path=ppt/slideLayouts/slideLayout2.xml><?xml version="1.0" encoding="utf-8"?>
-<p:sldLayout xmlns:a="http://schemas.openxmlformats.org/drawingml/2006/main" xmlns:r="http://schemas.openxmlformats.org/officeDocument/2006/relationships" xmlns:p="http://schemas.openxmlformats.org/presentationml/2006/main" type="obj" preserve="1">
+<p:sldLayout xmlns:a16="http://schemas.microsoft.com/office/drawing/2014/main" xmlns:p14="http://schemas.microsoft.com/office/powerpoint/2010/main" xmlns:a="http://schemas.openxmlformats.org/drawingml/2006/main" xmlns:r="http://schemas.openxmlformats.org/officeDocument/2006/relationships" xmlns:p="http://schemas.openxmlformats.org/presentationml/2006/main" type="obj" preserve="1">
   <p:cSld name="Title and Content">
     <p:spTree>
       <p:nvGrpSpPr>
@@ -11390,7 +11390,7 @@
 </file>
 
 <file path=ppt/slideLayouts/slideLayout3.xml><?xml version="1.0" encoding="utf-8"?>
-<p:sldLayout xmlns:a="http://schemas.openxmlformats.org/drawingml/2006/main" xmlns:r="http://schemas.openxmlformats.org/officeDocument/2006/relationships" xmlns:p="http://schemas.openxmlformats.org/presentationml/2006/main" type="secHead" preserve="1">
+<p:sldLayout xmlns:a16="http://schemas.microsoft.com/office/drawing/2014/main" xmlns:p14="http://schemas.microsoft.com/office/powerpoint/2010/main" xmlns:a="http://schemas.openxmlformats.org/drawingml/2006/main" xmlns:r="http://schemas.openxmlformats.org/officeDocument/2006/relationships" xmlns:p="http://schemas.openxmlformats.org/presentationml/2006/main" type="secHead" preserve="1">
   <p:cSld name="Section Header">
     <p:spTree>
       <p:nvGrpSpPr>
@@ -11666,7 +11666,7 @@
 </file>
 
 <file path=ppt/slideLayouts/slideLayout4.xml><?xml version="1.0" encoding="utf-8"?>
-<p:sldLayout xmlns:a="http://schemas.openxmlformats.org/drawingml/2006/main" xmlns:r="http://schemas.openxmlformats.org/officeDocument/2006/relationships" xmlns:p="http://schemas.openxmlformats.org/presentationml/2006/main" type="twoObj" preserve="1">
+<p:sldLayout xmlns:a16="http://schemas.microsoft.com/office/drawing/2014/main" xmlns:p14="http://schemas.microsoft.com/office/powerpoint/2010/main" xmlns:a="http://schemas.openxmlformats.org/drawingml/2006/main" xmlns:r="http://schemas.openxmlformats.org/officeDocument/2006/relationships" xmlns:p="http://schemas.openxmlformats.org/presentationml/2006/main" type="twoObj" preserve="1">
   <p:cSld name="Two Content">
     <p:spTree>
       <p:nvGrpSpPr>
@@ -11932,7 +11932,7 @@
 </file>
 
 <file path=ppt/slideLayouts/slideLayout5.xml><?xml version="1.0" encoding="utf-8"?>
-<p:sldLayout xmlns:a="http://schemas.openxmlformats.org/drawingml/2006/main" xmlns:r="http://schemas.openxmlformats.org/officeDocument/2006/relationships" xmlns:p="http://schemas.openxmlformats.org/presentationml/2006/main" type="twoTxTwoObj" preserve="1">
+<p:sldLayout xmlns:a16="http://schemas.microsoft.com/office/drawing/2014/main" xmlns:p14="http://schemas.microsoft.com/office/powerpoint/2010/main" xmlns:a="http://schemas.openxmlformats.org/drawingml/2006/main" xmlns:r="http://schemas.openxmlformats.org/officeDocument/2006/relationships" xmlns:p="http://schemas.openxmlformats.org/presentationml/2006/main" type="twoTxTwoObj" preserve="1">
   <p:cSld name="Comparison">
     <p:spTree>
       <p:nvGrpSpPr>
@@ -12345,7 +12345,7 @@
 </file>
 
 <file path=ppt/slideLayouts/slideLayout6.xml><?xml version="1.0" encoding="utf-8"?>
-<p:sldLayout xmlns:a="http://schemas.openxmlformats.org/drawingml/2006/main" xmlns:r="http://schemas.openxmlformats.org/officeDocument/2006/relationships" xmlns:p="http://schemas.openxmlformats.org/presentationml/2006/main" type="titleOnly" preserve="1">
+<p:sldLayout xmlns:a16="http://schemas.microsoft.com/office/drawing/2014/main" xmlns:p14="http://schemas.microsoft.com/office/powerpoint/2010/main" xmlns:a="http://schemas.openxmlformats.org/drawingml/2006/main" xmlns:r="http://schemas.openxmlformats.org/officeDocument/2006/relationships" xmlns:p="http://schemas.openxmlformats.org/presentationml/2006/main" type="titleOnly" preserve="1">
   <p:cSld name="Title Only">
     <p:spTree>
       <p:nvGrpSpPr>
@@ -12487,7 +12487,7 @@
 </file>
 
 <file path=ppt/slideLayouts/slideLayout7.xml><?xml version="1.0" encoding="utf-8"?>
-<p:sldLayout xmlns:a="http://schemas.openxmlformats.org/drawingml/2006/main" xmlns:r="http://schemas.openxmlformats.org/officeDocument/2006/relationships" xmlns:p="http://schemas.openxmlformats.org/presentationml/2006/main" type="blank" preserve="1">
+<p:sldLayout xmlns:a16="http://schemas.microsoft.com/office/drawing/2014/main" xmlns:p14="http://schemas.microsoft.com/office/powerpoint/2010/main" xmlns:a="http://schemas.openxmlformats.org/drawingml/2006/main" xmlns:r="http://schemas.openxmlformats.org/officeDocument/2006/relationships" xmlns:p="http://schemas.openxmlformats.org/presentationml/2006/main" type="blank" preserve="1">
   <p:cSld name="Blank">
     <p:spTree>
       <p:nvGrpSpPr>
@@ -12601,7 +12601,7 @@
 </file>
 
 <file path=ppt/slideLayouts/slideLayout8.xml><?xml version="1.0" encoding="utf-8"?>
-<p:sldLayout xmlns:a="http://schemas.openxmlformats.org/drawingml/2006/main" xmlns:r="http://schemas.openxmlformats.org/officeDocument/2006/relationships" xmlns:p="http://schemas.openxmlformats.org/presentationml/2006/main" type="objTx" preserve="1">
+<p:sldLayout xmlns:a16="http://schemas.microsoft.com/office/drawing/2014/main" xmlns:p14="http://schemas.microsoft.com/office/powerpoint/2010/main" xmlns:a="http://schemas.openxmlformats.org/drawingml/2006/main" xmlns:r="http://schemas.openxmlformats.org/officeDocument/2006/relationships" xmlns:p="http://schemas.openxmlformats.org/presentationml/2006/main" type="objTx" preserve="1">
   <p:cSld name="Content with Caption">
     <p:spTree>
       <p:nvGrpSpPr>
@@ -12913,7 +12913,7 @@
 </file>
 
 <file path=ppt/slideLayouts/slideLayout9.xml><?xml version="1.0" encoding="utf-8"?>
-<p:sldLayout xmlns:a="http://schemas.openxmlformats.org/drawingml/2006/main" xmlns:r="http://schemas.openxmlformats.org/officeDocument/2006/relationships" xmlns:p="http://schemas.openxmlformats.org/presentationml/2006/main" type="picTx" preserve="1">
+<p:sldLayout xmlns:a16="http://schemas.microsoft.com/office/drawing/2014/main" xmlns:p14="http://schemas.microsoft.com/office/powerpoint/2010/main" xmlns:a="http://schemas.openxmlformats.org/drawingml/2006/main" xmlns:r="http://schemas.openxmlformats.org/officeDocument/2006/relationships" xmlns:p="http://schemas.openxmlformats.org/presentationml/2006/main" type="picTx" preserve="1">
   <p:cSld name="Picture with Caption">
     <p:spTree>
       <p:nvGrpSpPr>
@@ -13202,7 +13202,7 @@
 </file>
 
 <file path=ppt/slideMasters/slideMaster1.xml><?xml version="1.0" encoding="utf-8"?>
-<p:sldMaster xmlns:a="http://schemas.openxmlformats.org/drawingml/2006/main" xmlns:r="http://schemas.openxmlformats.org/officeDocument/2006/relationships" xmlns:p="http://schemas.openxmlformats.org/presentationml/2006/main">
+<p:sldMaster xmlns:a16="http://schemas.microsoft.com/office/drawing/2014/main" xmlns:p14="http://schemas.microsoft.com/office/powerpoint/2010/main" xmlns:p15="http://schemas.microsoft.com/office/powerpoint/2012/main" xmlns:a="http://schemas.openxmlformats.org/drawingml/2006/main" xmlns:r="http://schemas.openxmlformats.org/officeDocument/2006/relationships" xmlns:p="http://schemas.openxmlformats.org/presentationml/2006/main">
   <p:cSld>
     <p:bg>
       <p:bgRef idx="1001">
@@ -13784,7 +13784,7 @@
 </file>
 
 <file path=ppt/slides/slide1.xml><?xml version="1.0" encoding="utf-8"?>
-<p:sld xmlns:a="http://schemas.openxmlformats.org/drawingml/2006/main" xmlns:r="http://schemas.openxmlformats.org/officeDocument/2006/relationships" xmlns:p="http://schemas.openxmlformats.org/presentationml/2006/main">
+<p:sld xmlns:a16="http://schemas.microsoft.com/office/drawing/2014/main" xmlns:p14="http://schemas.microsoft.com/office/powerpoint/2010/main" xmlns:a="http://schemas.openxmlformats.org/drawingml/2006/main" xmlns:r="http://schemas.openxmlformats.org/officeDocument/2006/relationships" xmlns:p="http://schemas.openxmlformats.org/presentationml/2006/main">
   <p:cSld>
     <p:spTree>
       <p:nvGrpSpPr>
@@ -14045,7 +14045,7 @@
                 <a:ea typeface="Roboto"/>
                 <a:cs typeface="Roboto"/>
               </a:rPr>
-              <a:t>{{</a:t>
+              <a:t>Cascade Logistics</a:t>
             </a:r>
             <a:r>
               <a:rPr lang="en-US" sz="4800" spc="50" dirty="0" err="1">
@@ -14056,7 +14056,7 @@
                 <a:ea typeface="Roboto"/>
                 <a:cs typeface="Roboto"/>
               </a:rPr>
-              <a:t>CustomerName</a:t>
+              <a:t/>
             </a:r>
             <a:r>
               <a:rPr lang="en-US" sz="4800" spc="50" dirty="0">
@@ -14067,7 +14067,7 @@
                 <a:ea typeface="Roboto"/>
                 <a:cs typeface="Roboto"/>
               </a:rPr>
-              <a:t>}}</a:t>
+              <a:t/>
             </a:r>
             <a:endParaRPr lang="pl-PL" sz="4800" spc="50" dirty="0">
               <a:solidFill>
@@ -14094,7 +14094,7 @@
 </file>
 
 <file path=ppt/slides/slide10.xml><?xml version="1.0" encoding="utf-8"?>
-<p:sld xmlns:a="http://schemas.openxmlformats.org/drawingml/2006/main" xmlns:r="http://schemas.openxmlformats.org/officeDocument/2006/relationships" xmlns:p="http://schemas.openxmlformats.org/presentationml/2006/main">
+<p:sld xmlns:a16="http://schemas.microsoft.com/office/drawing/2014/main" xmlns:p14="http://schemas.microsoft.com/office/powerpoint/2010/main" xmlns:a="http://schemas.openxmlformats.org/drawingml/2006/main" xmlns:r="http://schemas.openxmlformats.org/officeDocument/2006/relationships" xmlns:p="http://schemas.openxmlformats.org/presentationml/2006/main">
   <p:cSld>
     <p:spTree>
       <p:nvGrpSpPr>
@@ -16716,7 +16716,7 @@
 </file>
 
 <file path=ppt/slides/slide11.xml><?xml version="1.0" encoding="utf-8"?>
-<p:sld xmlns:a="http://schemas.openxmlformats.org/drawingml/2006/main" xmlns:r="http://schemas.openxmlformats.org/officeDocument/2006/relationships" xmlns:p="http://schemas.openxmlformats.org/presentationml/2006/main">
+<p:sld xmlns:a16="http://schemas.microsoft.com/office/drawing/2014/main" xmlns:p14="http://schemas.microsoft.com/office/powerpoint/2010/main" xmlns:a="http://schemas.openxmlformats.org/drawingml/2006/main" xmlns:r="http://schemas.openxmlformats.org/officeDocument/2006/relationships" xmlns:p="http://schemas.openxmlformats.org/presentationml/2006/main">
   <p:cSld>
     <p:spTree>
       <p:nvGrpSpPr>
@@ -17351,7 +17351,7 @@
 </file>
 
 <file path=ppt/slides/slide12.xml><?xml version="1.0" encoding="utf-8"?>
-<p:sld xmlns:a="http://schemas.openxmlformats.org/drawingml/2006/main" xmlns:r="http://schemas.openxmlformats.org/officeDocument/2006/relationships" xmlns:p="http://schemas.openxmlformats.org/presentationml/2006/main">
+<p:sld xmlns:a16="http://schemas.microsoft.com/office/drawing/2014/main" xmlns:p14="http://schemas.microsoft.com/office/powerpoint/2010/main" xmlns:a="http://schemas.openxmlformats.org/drawingml/2006/main" xmlns:r="http://schemas.openxmlformats.org/officeDocument/2006/relationships" xmlns:p="http://schemas.openxmlformats.org/presentationml/2006/main">
   <p:cSld>
     <p:spTree>
       <p:nvGrpSpPr>
@@ -17893,7 +17893,7 @@
 </file>
 
 <file path=ppt/slides/slide13.xml><?xml version="1.0" encoding="utf-8"?>
-<p:sld xmlns:a="http://schemas.openxmlformats.org/drawingml/2006/main" xmlns:r="http://schemas.openxmlformats.org/officeDocument/2006/relationships" xmlns:p="http://schemas.openxmlformats.org/presentationml/2006/main">
+<p:sld xmlns:a16="http://schemas.microsoft.com/office/drawing/2014/main" xmlns:p14="http://schemas.microsoft.com/office/powerpoint/2010/main" xmlns:a="http://schemas.openxmlformats.org/drawingml/2006/main" xmlns:r="http://schemas.openxmlformats.org/officeDocument/2006/relationships" xmlns:p="http://schemas.openxmlformats.org/presentationml/2006/main">
   <p:cSld>
     <p:spTree>
       <p:nvGrpSpPr>
@@ -17995,7 +17995,7 @@
 </file>
 
 <file path=ppt/slides/slide2.xml><?xml version="1.0" encoding="utf-8"?>
-<p:sld xmlns:a="http://schemas.openxmlformats.org/drawingml/2006/main" xmlns:r="http://schemas.openxmlformats.org/officeDocument/2006/relationships" xmlns:p="http://schemas.openxmlformats.org/presentationml/2006/main">
+<p:sld xmlns:a16="http://schemas.microsoft.com/office/drawing/2014/main" xmlns:asvg="http://schemas.microsoft.com/office/drawing/2016/SVG/main" xmlns:p14="http://schemas.microsoft.com/office/powerpoint/2010/main" xmlns:a="http://schemas.openxmlformats.org/drawingml/2006/main" xmlns:r="http://schemas.openxmlformats.org/officeDocument/2006/relationships" xmlns:p="http://schemas.openxmlformats.org/presentationml/2006/main">
   <p:cSld>
     <p:spTree>
       <p:nvGrpSpPr>
@@ -18725,7 +18725,7 @@
 </file>
 
 <file path=ppt/slides/slide3.xml><?xml version="1.0" encoding="utf-8"?>
-<p:sld xmlns:a="http://schemas.openxmlformats.org/drawingml/2006/main" xmlns:r="http://schemas.openxmlformats.org/officeDocument/2006/relationships" xmlns:p="http://schemas.openxmlformats.org/presentationml/2006/main">
+<p:sld xmlns:a16="http://schemas.microsoft.com/office/drawing/2014/main" xmlns:p14="http://schemas.microsoft.com/office/powerpoint/2010/main" xmlns:a="http://schemas.openxmlformats.org/drawingml/2006/main" xmlns:r="http://schemas.openxmlformats.org/officeDocument/2006/relationships" xmlns:p="http://schemas.openxmlformats.org/presentationml/2006/main">
   <p:cSld>
     <p:spTree>
       <p:nvGrpSpPr>
@@ -19132,7 +19132,7 @@
 </file>
 
 <file path=ppt/slides/slide4.xml><?xml version="1.0" encoding="utf-8"?>
-<p:sld xmlns:a="http://schemas.openxmlformats.org/drawingml/2006/main" xmlns:r="http://schemas.openxmlformats.org/officeDocument/2006/relationships" xmlns:p="http://schemas.openxmlformats.org/presentationml/2006/main">
+<p:sld xmlns:a16="http://schemas.microsoft.com/office/drawing/2014/main" xmlns:p14="http://schemas.microsoft.com/office/powerpoint/2010/main" xmlns:a="http://schemas.openxmlformats.org/drawingml/2006/main" xmlns:r="http://schemas.openxmlformats.org/officeDocument/2006/relationships" xmlns:p="http://schemas.openxmlformats.org/presentationml/2006/main">
   <p:cSld>
     <p:spTree>
       <p:nvGrpSpPr>
@@ -19324,7 +19324,7 @@
 </file>
 
 <file path=ppt/slides/slide5.xml><?xml version="1.0" encoding="utf-8"?>
-<p:sld xmlns:a="http://schemas.openxmlformats.org/drawingml/2006/main" xmlns:r="http://schemas.openxmlformats.org/officeDocument/2006/relationships" xmlns:p="http://schemas.openxmlformats.org/presentationml/2006/main">
+<p:sld xmlns:a16="http://schemas.microsoft.com/office/drawing/2014/main" xmlns:p14="http://schemas.microsoft.com/office/powerpoint/2010/main" xmlns:a="http://schemas.openxmlformats.org/drawingml/2006/main" xmlns:r="http://schemas.openxmlformats.org/officeDocument/2006/relationships" xmlns:p="http://schemas.openxmlformats.org/presentationml/2006/main">
   <p:cSld>
     <p:spTree>
       <p:nvGrpSpPr>
@@ -20652,7 +20652,7 @@
 </file>
 
 <file path=ppt/slides/slide6.xml><?xml version="1.0" encoding="utf-8"?>
-<p:sld xmlns:a="http://schemas.openxmlformats.org/drawingml/2006/main" xmlns:r="http://schemas.openxmlformats.org/officeDocument/2006/relationships" xmlns:p="http://schemas.openxmlformats.org/presentationml/2006/main">
+<p:sld xmlns:a16="http://schemas.microsoft.com/office/drawing/2014/main" xmlns:p14="http://schemas.microsoft.com/office/powerpoint/2010/main" xmlns:a="http://schemas.openxmlformats.org/drawingml/2006/main" xmlns:r="http://schemas.openxmlformats.org/officeDocument/2006/relationships" xmlns:p="http://schemas.openxmlformats.org/presentationml/2006/main">
   <p:cSld>
     <p:spTree>
       <p:nvGrpSpPr>
@@ -21307,7 +21307,7 @@
 </file>
 
 <file path=ppt/slides/slide7.xml><?xml version="1.0" encoding="utf-8"?>
-<p:sld xmlns:a="http://schemas.openxmlformats.org/drawingml/2006/main" xmlns:r="http://schemas.openxmlformats.org/officeDocument/2006/relationships" xmlns:p="http://schemas.openxmlformats.org/presentationml/2006/main" show="0">
+<p:sld xmlns:a16="http://schemas.microsoft.com/office/drawing/2014/main" xmlns:p14="http://schemas.microsoft.com/office/powerpoint/2010/main" xmlns:a="http://schemas.openxmlformats.org/drawingml/2006/main" xmlns:r="http://schemas.openxmlformats.org/officeDocument/2006/relationships" xmlns:p="http://schemas.openxmlformats.org/presentationml/2006/main" show="0">
   <p:cSld>
     <p:spTree>
       <p:nvGrpSpPr>
@@ -21925,7 +21925,7 @@
 </file>
 
 <file path=ppt/slides/slide8.xml><?xml version="1.0" encoding="utf-8"?>
-<p:sld xmlns:a="http://schemas.openxmlformats.org/drawingml/2006/main" xmlns:r="http://schemas.openxmlformats.org/officeDocument/2006/relationships" xmlns:p="http://schemas.openxmlformats.org/presentationml/2006/main">
+<p:sld xmlns:a16="http://schemas.microsoft.com/office/drawing/2014/main" xmlns:p14="http://schemas.microsoft.com/office/powerpoint/2010/main" xmlns:a="http://schemas.openxmlformats.org/drawingml/2006/main" xmlns:r="http://schemas.openxmlformats.org/officeDocument/2006/relationships" xmlns:p="http://schemas.openxmlformats.org/presentationml/2006/main">
   <p:cSld>
     <p:spTree>
       <p:nvGrpSpPr>
@@ -22059,7 +22059,7 @@
 </file>
 
 <file path=ppt/slides/slide9.xml><?xml version="1.0" encoding="utf-8"?>
-<p:sld xmlns:a="http://schemas.openxmlformats.org/drawingml/2006/main" xmlns:r="http://schemas.openxmlformats.org/officeDocument/2006/relationships" xmlns:p="http://schemas.openxmlformats.org/presentationml/2006/main">
+<p:sld xmlns:a16="http://schemas.microsoft.com/office/drawing/2014/main" xmlns:p14="http://schemas.microsoft.com/office/powerpoint/2010/main" xmlns:a="http://schemas.openxmlformats.org/drawingml/2006/main" xmlns:r="http://schemas.openxmlformats.org/officeDocument/2006/relationships" xmlns:p="http://schemas.openxmlformats.org/presentationml/2006/main">
   <p:cSld>
     <p:spTree>
       <p:nvGrpSpPr>
